--- a/Week 1 - Herhaling/Week 1 presentatie - Herhaling.pptx
+++ b/Week 1 - Herhaling/Week 1 presentatie - Herhaling.pptx
@@ -275,7 +275,7 @@
           <a:p>
             <a:fld id="{B6D41BCC-AD73-4203-A5A6-E62EB28B0FE6}" type="datetimeFigureOut">
               <a:rPr lang="en-US" smtClean="0"/>
-              <a:t>9/9/2024</a:t>
+              <a:t>9/11/24</a:t>
             </a:fld>
             <a:endParaRPr lang="en-US"/>
           </a:p>
@@ -483,7 +483,7 @@
           <a:p>
             <a:fld id="{B6D41BCC-AD73-4203-A5A6-E62EB28B0FE6}" type="datetimeFigureOut">
               <a:rPr lang="en-US" smtClean="0"/>
-              <a:t>9/9/2024</a:t>
+              <a:t>9/11/24</a:t>
             </a:fld>
             <a:endParaRPr lang="en-US"/>
           </a:p>
@@ -691,7 +691,7 @@
           <a:p>
             <a:fld id="{B6D41BCC-AD73-4203-A5A6-E62EB28B0FE6}" type="datetimeFigureOut">
               <a:rPr lang="en-US" smtClean="0"/>
-              <a:t>9/9/2024</a:t>
+              <a:t>9/11/24</a:t>
             </a:fld>
             <a:endParaRPr lang="en-US"/>
           </a:p>
@@ -889,7 +889,7 @@
           <a:p>
             <a:fld id="{B6D41BCC-AD73-4203-A5A6-E62EB28B0FE6}" type="datetimeFigureOut">
               <a:rPr lang="en-US" smtClean="0"/>
-              <a:t>9/9/2024</a:t>
+              <a:t>9/11/24</a:t>
             </a:fld>
             <a:endParaRPr lang="en-US"/>
           </a:p>
@@ -1166,7 +1166,7 @@
           <a:p>
             <a:fld id="{B6D41BCC-AD73-4203-A5A6-E62EB28B0FE6}" type="datetimeFigureOut">
               <a:rPr lang="en-US" smtClean="0"/>
-              <a:t>9/9/2024</a:t>
+              <a:t>9/11/24</a:t>
             </a:fld>
             <a:endParaRPr lang="en-US"/>
           </a:p>
@@ -1436,7 +1436,7 @@
           <a:p>
             <a:fld id="{B6D41BCC-AD73-4203-A5A6-E62EB28B0FE6}" type="datetimeFigureOut">
               <a:rPr lang="en-US" smtClean="0"/>
-              <a:t>9/9/2024</a:t>
+              <a:t>9/11/24</a:t>
             </a:fld>
             <a:endParaRPr lang="en-US"/>
           </a:p>
@@ -1852,7 +1852,7 @@
           <a:p>
             <a:fld id="{B6D41BCC-AD73-4203-A5A6-E62EB28B0FE6}" type="datetimeFigureOut">
               <a:rPr lang="en-US" smtClean="0"/>
-              <a:t>9/9/2024</a:t>
+              <a:t>9/11/24</a:t>
             </a:fld>
             <a:endParaRPr lang="en-US"/>
           </a:p>
@@ -1993,7 +1993,7 @@
           <a:p>
             <a:fld id="{B6D41BCC-AD73-4203-A5A6-E62EB28B0FE6}" type="datetimeFigureOut">
               <a:rPr lang="en-US" smtClean="0"/>
-              <a:t>9/9/2024</a:t>
+              <a:t>9/11/24</a:t>
             </a:fld>
             <a:endParaRPr lang="en-US"/>
           </a:p>
@@ -2106,7 +2106,7 @@
           <a:p>
             <a:fld id="{B6D41BCC-AD73-4203-A5A6-E62EB28B0FE6}" type="datetimeFigureOut">
               <a:rPr lang="en-US" smtClean="0"/>
-              <a:t>9/9/2024</a:t>
+              <a:t>9/11/24</a:t>
             </a:fld>
             <a:endParaRPr lang="en-US"/>
           </a:p>
@@ -2432,7 +2432,7 @@
           <a:p>
             <a:fld id="{B6D41BCC-AD73-4203-A5A6-E62EB28B0FE6}" type="datetimeFigureOut">
               <a:rPr lang="en-US" smtClean="0"/>
-              <a:t>9/9/2024</a:t>
+              <a:t>9/11/24</a:t>
             </a:fld>
             <a:endParaRPr lang="en-US"/>
           </a:p>
@@ -2720,7 +2720,7 @@
           <a:p>
             <a:fld id="{B6D41BCC-AD73-4203-A5A6-E62EB28B0FE6}" type="datetimeFigureOut">
               <a:rPr lang="en-US" smtClean="0"/>
-              <a:t>9/9/2024</a:t>
+              <a:t>9/11/24</a:t>
             </a:fld>
             <a:endParaRPr lang="en-US"/>
           </a:p>
@@ -2960,7 +2960,7 @@
             <a:fld id="{B6D41BCC-AD73-4203-A5A6-E62EB28B0FE6}" type="datetimeFigureOut">
               <a:rPr lang="en-US" smtClean="0"/>
               <a:pPr/>
-              <a:t>9/9/2024</a:t>
+              <a:t>9/11/24</a:t>
             </a:fld>
             <a:endParaRPr lang="en-US"/>
           </a:p>
@@ -3988,15 +3988,39 @@
             </a:r>
             <a:r>
               <a:rPr lang="en-US" dirty="0" err="1"/>
-              <a:t>Bestaat</a:t>
-            </a:r>
-            <a:r>
-              <a:rPr lang="en-US" dirty="0"/>
-              <a:t> </a:t>
-            </a:r>
-            <a:r>
-              <a:rPr lang="en-US" dirty="0" err="1"/>
-              <a:t>hij</a:t>
+              <a:t>Wordt</a:t>
+            </a:r>
+            <a:r>
+              <a:rPr lang="en-US" dirty="0"/>
+              <a:t> </a:t>
+            </a:r>
+            <a:r>
+              <a:rPr lang="en-US" dirty="0" err="1"/>
+              <a:t>aangemaakt</a:t>
+            </a:r>
+            <a:r>
+              <a:rPr lang="en-US" dirty="0"/>
+              <a:t> </a:t>
+            </a:r>
+            <a:r>
+              <a:rPr lang="en-US" dirty="0" err="1"/>
+              <a:t>indien</a:t>
+            </a:r>
+            <a:r>
+              <a:rPr lang="en-US" dirty="0"/>
+              <a:t> </a:t>
+            </a:r>
+            <a:r>
+              <a:rPr lang="en-US" dirty="0" err="1"/>
+              <a:t>deze</a:t>
+            </a:r>
+            <a:r>
+              <a:rPr lang="en-US" dirty="0"/>
+              <a:t> </a:t>
+            </a:r>
+            <a:r>
+              <a:rPr lang="en-US" dirty="0" err="1"/>
+              <a:t>nog</a:t>
             </a:r>
             <a:r>
               <a:rPr lang="en-US" dirty="0"/>
@@ -4008,19 +4032,11 @@
             </a:r>
             <a:r>
               <a:rPr lang="en-US" dirty="0"/>
-              <a:t> word </a:t>
-            </a:r>
-            <a:r>
-              <a:rPr lang="en-US" dirty="0" err="1"/>
-              <a:t>hij</a:t>
-            </a:r>
-            <a:r>
-              <a:rPr lang="en-US" dirty="0"/>
-              <a:t> </a:t>
-            </a:r>
-            <a:r>
-              <a:rPr lang="en-US" dirty="0" err="1"/>
-              <a:t>aangemaakt</a:t>
+              <a:t> </a:t>
+            </a:r>
+            <a:r>
+              <a:rPr lang="en-US" dirty="0" err="1"/>
+              <a:t>bestaat</a:t>
             </a:r>
             <a:r>
               <a:rPr lang="en-US" dirty="0"/>
@@ -4055,7 +4071,7 @@
             </a:r>
             <a:r>
               <a:rPr lang="en-US" dirty="0" err="1"/>
-              <a:t>hij</a:t>
+              <a:t>deze</a:t>
             </a:r>
             <a:r>
               <a:rPr lang="en-US" dirty="0"/>
@@ -4281,7 +4297,7 @@
             </a:r>
             <a:r>
               <a:rPr lang="en-US" dirty="0" err="1"/>
-              <a:t>displayen</a:t>
+              <a:t>weergeven</a:t>
             </a:r>
             <a:endParaRPr lang="en-US" dirty="0"/>
           </a:p>
@@ -4523,7 +4539,9 @@
         </p:nvSpPr>
         <p:spPr/>
         <p:txBody>
-          <a:bodyPr/>
+          <a:bodyPr>
+            <a:normAutofit lnSpcReduction="10000"/>
+          </a:bodyPr>
           <a:lstStyle/>
           <a:p>
             <a:r>
@@ -4714,7 +4732,7 @@
             </a:r>
             <a:r>
               <a:rPr lang="en-US" dirty="0" err="1"/>
-              <a:t>editen</a:t>
+              <a:t>wijzigen</a:t>
             </a:r>
             <a:r>
               <a:rPr lang="en-US" dirty="0"/>
@@ -4903,15 +4921,15 @@
             </a:r>
             <a:r>
               <a:rPr lang="en-US" dirty="0"/>
-              <a:t> </a:t>
-            </a:r>
-            <a:r>
-              <a:rPr lang="en-US" dirty="0" err="1"/>
-              <a:t>een</a:t>
-            </a:r>
-            <a:r>
-              <a:rPr lang="en-US" dirty="0"/>
-              <a:t> </a:t>
+              <a:t> een (</a:t>
+            </a:r>
+            <a:r>
+              <a:rPr lang="en-US" dirty="0" err="1"/>
+              <a:t>nieuwe</a:t>
+            </a:r>
+            <a:r>
+              <a:rPr lang="en-US" dirty="0"/>
+              <a:t>) </a:t>
             </a:r>
             <a:r>
               <a:rPr lang="en-US" dirty="0" err="1"/>
@@ -4935,7 +4953,14 @@
             </a:r>
             <a:r>
               <a:rPr lang="en-US" dirty="0"/>
-              <a:t>. Mag </a:t>
+              <a:t>. </a:t>
+            </a:r>
+          </a:p>
+          <a:p>
+            <a:pPr lvl="1"/>
+            <a:r>
+              <a:rPr lang="en-US" dirty="0"/>
+              <a:t>Dus </a:t>
             </a:r>
             <a:r>
               <a:rPr lang="en-US" dirty="0" err="1"/>
@@ -4943,15 +4968,7 @@
             </a:r>
             <a:r>
               <a:rPr lang="en-US" dirty="0"/>
-              <a:t> film database </a:t>
-            </a:r>
-            <a:r>
-              <a:rPr lang="en-US" dirty="0" err="1"/>
-              <a:t>zijn</a:t>
-            </a:r>
-            <a:r>
-              <a:rPr lang="en-US"/>
-              <a:t>.</a:t>
+              <a:t> film database.</a:t>
             </a:r>
           </a:p>
         </p:txBody>
@@ -5260,7 +5277,7 @@
             </a:r>
             <a:r>
               <a:rPr lang="en-US" dirty="0" err="1"/>
-              <a:t>opperaties</a:t>
+              <a:t>operaties</a:t>
             </a:r>
             <a:r>
               <a:rPr lang="en-US" dirty="0"/>
@@ -5277,76 +5294,44 @@
           </a:p>
           <a:p>
             <a:r>
-              <a:rPr lang="en-US" dirty="0"/>
-              <a:t>Net </a:t>
-            </a:r>
-            <a:r>
-              <a:rPr lang="en-US" dirty="0" err="1"/>
-              <a:t>als</a:t>
-            </a:r>
-            <a:r>
-              <a:rPr lang="en-US" dirty="0"/>
-              <a:t> DIP 1 </a:t>
-            </a:r>
-            <a:r>
-              <a:rPr lang="en-US" dirty="0" err="1"/>
-              <a:t>een</a:t>
-            </a:r>
-            <a:r>
-              <a:rPr lang="en-US" dirty="0"/>
-              <a:t> </a:t>
-            </a:r>
-            <a:r>
-              <a:rPr lang="en-US" dirty="0" err="1"/>
-              <a:t>eind</a:t>
-            </a:r>
-            <a:r>
-              <a:rPr lang="en-US" dirty="0"/>
-              <a:t> </a:t>
-            </a:r>
-            <a:r>
-              <a:rPr lang="en-US" dirty="0" err="1"/>
-              <a:t>opdracht</a:t>
-            </a:r>
-            <a:r>
-              <a:rPr lang="en-US" dirty="0"/>
-              <a:t> </a:t>
-            </a:r>
-            <a:r>
-              <a:rPr lang="en-US" dirty="0" err="1"/>
-              <a:t>waarbij</a:t>
-            </a:r>
-            <a:r>
-              <a:rPr lang="en-US" dirty="0"/>
-              <a:t> je </a:t>
-            </a:r>
-            <a:r>
-              <a:rPr lang="en-US" dirty="0" err="1"/>
-              <a:t>veel</a:t>
-            </a:r>
-            <a:r>
-              <a:rPr lang="en-US" dirty="0"/>
-              <a:t> </a:t>
-            </a:r>
-            <a:r>
-              <a:rPr lang="en-US" dirty="0" err="1"/>
-              <a:t>zelf</a:t>
-            </a:r>
-            <a:r>
-              <a:rPr lang="en-US" dirty="0"/>
-              <a:t> </a:t>
-            </a:r>
-            <a:r>
-              <a:rPr lang="en-US" dirty="0" err="1"/>
-              <a:t>moet</a:t>
-            </a:r>
-            <a:r>
-              <a:rPr lang="en-US" dirty="0"/>
-              <a:t> </a:t>
-            </a:r>
-            <a:r>
-              <a:rPr lang="en-US" dirty="0" err="1"/>
-              <a:t>implementeren</a:t>
+              <a:rPr lang="en-US" dirty="0" err="1"/>
+              <a:t>Beoordeling</a:t>
+            </a:r>
+            <a:endParaRPr lang="en-US" dirty="0"/>
+          </a:p>
+          <a:p>
+            <a:pPr lvl="1"/>
+            <a:r>
+              <a:rPr lang="en-US" dirty="0"/>
+              <a:t>Een </a:t>
+            </a:r>
+            <a:r>
+              <a:rPr lang="en-US" dirty="0" err="1"/>
+              <a:t>eindopdracht</a:t>
+            </a:r>
+            <a:r>
+              <a:rPr lang="en-US" dirty="0"/>
+              <a:t> </a:t>
+            </a:r>
+            <a:r>
+              <a:rPr lang="en-US" dirty="0" err="1"/>
+              <a:t>waarin</a:t>
+            </a:r>
+            <a:r>
+              <a:rPr lang="en-US" dirty="0"/>
+              <a:t> je alle </a:t>
+            </a:r>
+            <a:r>
+              <a:rPr lang="en-US" dirty="0" err="1"/>
+              <a:t>kennis</a:t>
+            </a:r>
+            <a:r>
+              <a:rPr lang="en-US" dirty="0"/>
+              <a:t> </a:t>
+            </a:r>
+            <a:r>
+              <a:rPr lang="en-US" dirty="0" err="1"/>
+              <a:t>combineert</a:t>
             </a:r>
             <a:endParaRPr lang="en-US" dirty="0"/>
           </a:p>

--- a/Week 1 - Herhaling/Week 1 presentatie - Herhaling.pptx
+++ b/Week 1 - Herhaling/Week 1 presentatie - Herhaling.pptx
@@ -4854,7 +4854,7 @@
             </a:r>
             <a:r>
               <a:rPr lang="en-US" dirty="0" err="1"/>
-              <a:t>ondezoeken</a:t>
+              <a:t>onderzoeken</a:t>
             </a:r>
             <a:r>
               <a:rPr lang="en-US" dirty="0"/>
@@ -5086,15 +5086,7 @@
           <a:p>
             <a:r>
               <a:rPr lang="en-US" dirty="0" err="1"/>
-              <a:t>Oefen</a:t>
-            </a:r>
-            <a:r>
-              <a:rPr lang="en-US" dirty="0"/>
-              <a:t> </a:t>
-            </a:r>
-            <a:r>
-              <a:rPr lang="en-US" dirty="0" err="1"/>
-              <a:t>opdracht</a:t>
+              <a:t>Oefenopdracht</a:t>
             </a:r>
             <a:endParaRPr lang="en-US" dirty="0"/>
           </a:p>
